--- a/teaching/cs513-autocps-fall-2020/lecture2-Timed-Models.pptx
+++ b/teaching/cs513-autocps-fall-2020/lecture2-Timed-Models.pptx
@@ -244,7 +244,7 @@
           <a:p>
             <a:fld id="{459B985A-4C37-4D1F-A437-E4A951A85D11}" type="datetimeFigureOut">
               <a:rPr lang="en-US" smtClean="0"/>
-              <a:t>8/23/2020</a:t>
+              <a:t>8/30/2020</a:t>
             </a:fld>
             <a:endParaRPr lang="en-US"/>
           </a:p>
@@ -421,7 +421,7 @@
           <a:p>
             <a:fld id="{6580C23F-98B7-41D4-A9FA-15A275A51486}" type="datetimeFigureOut">
               <a:rPr lang="en-US" smtClean="0"/>
-              <a:t>8/23/2020</a:t>
+              <a:t>8/30/2020</a:t>
             </a:fld>
             <a:endParaRPr lang="en-US"/>
           </a:p>
@@ -1215,7 +1215,7 @@
           <p:nvPr userDrawn="1"/>
         </p:nvPicPr>
         <mc:AlternateContent xmlns:mc="http://schemas.openxmlformats.org/markup-compatibility/2006">
-          <mc:Choice xmlns:ma="http://schemas.microsoft.com/office/mac/drawingml/2008/main" xmlns:mv="urn:schemas-microsoft-com:mac:vml" xmlns="" Requires="ma">
+          <mc:Choice xmlns="" xmlns:mv="urn:schemas-microsoft-com:mac:vml" xmlns:ma="http://schemas.microsoft.com/office/mac/drawingml/2008/main" Requires="ma">
             <p:blipFill>
               <a:blip r:embed="rId3"/>
               <a:stretch>
@@ -10369,7 +10369,7 @@
             <p:spPr>
               <a:xfrm>
                 <a:off x="2977164" y="2156952"/>
-                <a:ext cx="2470816" cy="104485"/>
+                <a:ext cx="2470816" cy="156105"/>
               </a:xfrm>
               <a:custGeom>
                 <a:avLst/>
@@ -16422,15 +16422,7 @@
           <a:p>
             <a:r>
               <a:rPr lang="en-US" sz="2400" dirty="0"/>
-              <a:t>Finally the His-</a:t>
-            </a:r>
-            <a:r>
-              <a:rPr lang="en-US" sz="2400" dirty="0" err="1"/>
-              <a:t>Pukinje</a:t>
-            </a:r>
-            <a:r>
-              <a:rPr lang="en-US" sz="2400" dirty="0"/>
-              <a:t> system spreads electric activation through ventricles causing them both to contract, pumping blood out of the heart</a:t>
+              <a:t>Finally the His-Purkinje system spreads electric activation through ventricles causing them both to contract, pumping blood out of the heart</a:t>
             </a:r>
           </a:p>
           <a:p>
@@ -16680,13 +16672,6 @@
             <a:r>
               <a:rPr lang="en-US" dirty="0"/>
               <a:t>Synchronous Reactive Components</a:t>
-            </a:r>
-          </a:p>
-          <a:p>
-            <a:pPr lvl="1"/>
-            <a:r>
-              <a:rPr lang="en-US" dirty="0"/>
-              <a:t>Event-triggered SRCs</a:t>
             </a:r>
           </a:p>
           <a:p>
@@ -25088,7 +25073,7 @@
         <p:spPr>
           <a:xfrm>
             <a:off x="70640" y="1777999"/>
-            <a:ext cx="11923719" cy="2781301"/>
+            <a:ext cx="11923719" cy="3334328"/>
           </a:xfrm>
         </p:spPr>
         <p:txBody>
@@ -25126,6 +25111,12 @@
             <a:r>
               <a:rPr lang="en-US" dirty="0"/>
               <a:t>Reachability of a particular configuration</a:t>
+            </a:r>
+          </a:p>
+          <a:p>
+            <a:r>
+              <a:rPr lang="en-US" dirty="0"/>
+              <a:t>We will revisit this later in the course</a:t>
             </a:r>
           </a:p>
         </p:txBody>
@@ -27010,13 +27001,6 @@
             </a:r>
           </a:p>
           <a:p>
-            <a:pPr lvl="1"/>
-            <a:r>
-              <a:rPr lang="en-US" dirty="0"/>
-              <a:t>Event-triggered SRCs</a:t>
-            </a:r>
-          </a:p>
-          <a:p>
             <a:r>
               <a:rPr lang="en-US" dirty="0"/>
               <a:t>Asynchronous Process Models</a:t>
@@ -27095,7 +27079,7 @@
 </file>
 
 <file path=ppt/slides/slide30.xml><?xml version="1.0" encoding="utf-8"?>
-<p:sld xmlns:a="http://schemas.openxmlformats.org/drawingml/2006/main" xmlns:r="http://schemas.openxmlformats.org/officeDocument/2006/relationships" xmlns:p="http://schemas.openxmlformats.org/presentationml/2006/main">
+<p:sld xmlns:a="http://schemas.openxmlformats.org/drawingml/2006/main" xmlns:r="http://schemas.openxmlformats.org/officeDocument/2006/relationships" xmlns:p="http://schemas.openxmlformats.org/presentationml/2006/main" show="0">
   <p:cSld>
     <p:spTree>
       <p:nvGrpSpPr>

--- a/teaching/cs513-autocps-fall-2020/lecture2-Timed-Models.pptx
+++ b/teaching/cs513-autocps-fall-2020/lecture2-Timed-Models.pptx
@@ -18192,8 +18192,8 @@
             <a:solidFill>
               <a:schemeClr val="accent6"/>
             </a:solidFill>
-            <a:headEnd type="none" w="lg" len="lg"/>
-            <a:tailEnd type="triangle" w="lg" len="lg"/>
+            <a:headEnd type="triangle" w="lg" len="lg"/>
+            <a:tailEnd type="none" w="lg" len="lg"/>
           </a:ln>
         </p:spPr>
         <p:style>
@@ -19076,8 +19076,8 @@
           </a:p>
         </p:txBody>
       </p:sp>
-      <mc:AlternateContent xmlns:mc="http://schemas.openxmlformats.org/markup-compatibility/2006" xmlns:a14="http://schemas.microsoft.com/office/drawing/2010/main">
-        <mc:Choice Requires="a14">
+      <mc:AlternateContent xmlns:mc="http://schemas.openxmlformats.org/markup-compatibility/2006">
+        <mc:Choice xmlns:a14="http://schemas.microsoft.com/office/drawing/2010/main" Requires="a14">
           <p:sp>
             <p:nvSpPr>
               <p:cNvPr id="21" name="TextBox 20">
@@ -19108,7 +19108,7 @@
               <a:p>
                 <a:r>
                   <a:rPr lang="en-US" dirty="0"/>
-                  <a:t>VP? </a:t>
+                  <a:t>VS? </a:t>
                 </a:r>
                 <a14:m>
                   <m:oMath xmlns:m="http://schemas.openxmlformats.org/officeDocument/2006/math">
@@ -19128,7 +19128,7 @@
             </p:txBody>
           </p:sp>
         </mc:Choice>
-        <mc:Fallback xmlns="">
+        <mc:Fallback>
           <p:sp>
             <p:nvSpPr>
               <p:cNvPr id="21" name="TextBox 20">
@@ -19154,7 +19154,7 @@
               <a:blipFill>
                 <a:blip r:embed="rId5"/>
                 <a:stretch>
-                  <a:fillRect l="-4455" t="-8197" r="-3960" b="-24590"/>
+                  <a:fillRect l="-4455" t="-8197" r="-2475" b="-24590"/>
                 </a:stretch>
               </a:blipFill>
             </p:spPr>
@@ -19416,8 +19416,8 @@
           </a:p>
         </p:txBody>
       </p:sp>
-      <mc:AlternateContent xmlns:mc="http://schemas.openxmlformats.org/markup-compatibility/2006" xmlns:a14="http://schemas.microsoft.com/office/drawing/2010/main">
-        <mc:Choice Requires="a14">
+      <mc:AlternateContent xmlns:mc="http://schemas.openxmlformats.org/markup-compatibility/2006">
+        <mc:Choice xmlns:a14="http://schemas.microsoft.com/office/drawing/2010/main" Requires="a14">
           <p:sp>
             <p:nvSpPr>
               <p:cNvPr id="26" name="Content Placeholder 1">
@@ -19442,9 +19442,15 @@
             </p:spPr>
             <p:txBody>
               <a:bodyPr>
-                <a:normAutofit lnSpcReduction="10000"/>
+                <a:normAutofit fontScale="92500" lnSpcReduction="10000"/>
               </a:bodyPr>
               <a:lstStyle/>
+              <a:p>
+                <a:r>
+                  <a:rPr lang="en-US" dirty="0"/>
+                  <a:t>LRI = lower rate interval</a:t>
+                </a:r>
+              </a:p>
               <a:p>
                 <a:r>
                   <a:rPr lang="en-US" dirty="0"/>
@@ -19492,7 +19498,7 @@
             </p:txBody>
           </p:sp>
         </mc:Choice>
-        <mc:Fallback xmlns="">
+        <mc:Fallback>
           <p:sp>
             <p:nvSpPr>
               <p:cNvPr id="26" name="Content Placeholder 1">
@@ -19517,7 +19523,7 @@
               <a:blipFill>
                 <a:blip r:embed="rId8"/>
                 <a:stretch>
-                  <a:fillRect l="-1237" t="-3226"/>
+                  <a:fillRect l="-1031" t="-2945" r="-2371" b="-701"/>
                 </a:stretch>
               </a:blipFill>
             </p:spPr>
@@ -19550,7 +19556,7 @@
 </file>
 
 <file path=ppt/slides/slide24.xml><?xml version="1.0" encoding="utf-8"?>
-<p:sld xmlns:a="http://schemas.openxmlformats.org/drawingml/2006/main" xmlns:r="http://schemas.openxmlformats.org/officeDocument/2006/relationships" xmlns:p="http://schemas.openxmlformats.org/presentationml/2006/main">
+<p:sld xmlns:a="http://schemas.openxmlformats.org/drawingml/2006/main" xmlns:r="http://schemas.openxmlformats.org/officeDocument/2006/relationships" xmlns:p="http://schemas.openxmlformats.org/presentationml/2006/main" show="0">
   <p:cSld>
     <p:spTree>
       <p:nvGrpSpPr>
@@ -19661,7 +19667,7 @@
 </file>
 
 <file path=ppt/slides/slide25.xml><?xml version="1.0" encoding="utf-8"?>
-<p:sld xmlns:a="http://schemas.openxmlformats.org/drawingml/2006/main" xmlns:r="http://schemas.openxmlformats.org/officeDocument/2006/relationships" xmlns:p="http://schemas.openxmlformats.org/presentationml/2006/main">
+<p:sld xmlns:a="http://schemas.openxmlformats.org/drawingml/2006/main" xmlns:r="http://schemas.openxmlformats.org/officeDocument/2006/relationships" xmlns:p="http://schemas.openxmlformats.org/presentationml/2006/main" show="0">
   <p:cSld>
     <p:spTree>
       <p:nvGrpSpPr>
@@ -21838,7 +21844,7 @@
 </file>
 
 <file path=ppt/slides/slide26.xml><?xml version="1.0" encoding="utf-8"?>
-<p:sld xmlns:a="http://schemas.openxmlformats.org/drawingml/2006/main" xmlns:r="http://schemas.openxmlformats.org/officeDocument/2006/relationships" xmlns:p="http://schemas.openxmlformats.org/presentationml/2006/main">
+<p:sld xmlns:a="http://schemas.openxmlformats.org/drawingml/2006/main" xmlns:r="http://schemas.openxmlformats.org/officeDocument/2006/relationships" xmlns:p="http://schemas.openxmlformats.org/presentationml/2006/main" show="0">
   <p:cSld>
     <p:spTree>
       <p:nvGrpSpPr>
@@ -23586,7 +23592,7 @@
 </file>
 
 <file path=ppt/slides/slide27.xml><?xml version="1.0" encoding="utf-8"?>
-<p:sld xmlns:a="http://schemas.openxmlformats.org/drawingml/2006/main" xmlns:r="http://schemas.openxmlformats.org/officeDocument/2006/relationships" xmlns:p="http://schemas.openxmlformats.org/presentationml/2006/main">
+<p:sld xmlns:a="http://schemas.openxmlformats.org/drawingml/2006/main" xmlns:r="http://schemas.openxmlformats.org/officeDocument/2006/relationships" xmlns:p="http://schemas.openxmlformats.org/presentationml/2006/main" show="0">
   <p:cSld>
     <p:spTree>
       <p:nvGrpSpPr>
@@ -25038,7 +25044,7 @@
 </file>
 
 <file path=ppt/slides/slide28.xml><?xml version="1.0" encoding="utf-8"?>
-<p:sld xmlns:a="http://schemas.openxmlformats.org/drawingml/2006/main" xmlns:r="http://schemas.openxmlformats.org/officeDocument/2006/relationships" xmlns:p="http://schemas.openxmlformats.org/presentationml/2006/main">
+<p:sld xmlns:a="http://schemas.openxmlformats.org/drawingml/2006/main" xmlns:r="http://schemas.openxmlformats.org/officeDocument/2006/relationships" xmlns:p="http://schemas.openxmlformats.org/presentationml/2006/main" show="0">
   <p:cSld>
     <p:spTree>
       <p:nvGrpSpPr>
@@ -25193,7 +25199,7 @@
 </file>
 
 <file path=ppt/slides/slide29.xml><?xml version="1.0" encoding="utf-8"?>
-<p:sld xmlns:a="http://schemas.openxmlformats.org/drawingml/2006/main" xmlns:r="http://schemas.openxmlformats.org/officeDocument/2006/relationships" xmlns:p="http://schemas.openxmlformats.org/presentationml/2006/main">
+<p:sld xmlns:a="http://schemas.openxmlformats.org/drawingml/2006/main" xmlns:r="http://schemas.openxmlformats.org/officeDocument/2006/relationships" xmlns:p="http://schemas.openxmlformats.org/presentationml/2006/main" show="0">
   <p:cSld>
     <p:spTree>
       <p:nvGrpSpPr>

--- a/teaching/cs513-autocps-fall-2020/lecture2-Timed-Models.pptx
+++ b/teaching/cs513-autocps-fall-2020/lecture2-Timed-Models.pptx
@@ -35968,8 +35968,8 @@
         </p:nvGrpSpPr>
         <p:grpSpPr>
           <a:xfrm>
-            <a:off x="0" y="1541532"/>
-            <a:ext cx="5606847" cy="3897411"/>
+            <a:off x="166680" y="1655832"/>
+            <a:ext cx="5606847" cy="4609237"/>
             <a:chOff x="20042" y="1541532"/>
             <a:chExt cx="5606847" cy="3897411"/>
           </a:xfrm>
@@ -36129,7 +36129,7 @@
           <p:spPr>
             <a:xfrm>
               <a:off x="20042" y="1541532"/>
-              <a:ext cx="1186543" cy="523220"/>
+              <a:ext cx="830677" cy="312294"/>
             </a:xfrm>
             <a:prstGeom prst="rect">
               <a:avLst/>
@@ -36143,20 +36143,12 @@
             <a:lstStyle/>
             <a:p>
               <a:r>
-                <a:rPr lang="en-US" sz="2800" dirty="0" err="1"/>
+                <a:rPr lang="en-US" dirty="0" err="1"/>
                 <a:t>bool</a:t>
               </a:r>
               <a:r>
-                <a:rPr lang="en-US" sz="2800" dirty="0"/>
-                <a:t> </a:t>
-              </a:r>
-              <a:r>
-                <a:rPr lang="en-US" sz="2800" dirty="0">
-                  <a:solidFill>
-                    <a:srgbClr val="FF0000"/>
-                  </a:solidFill>
-                </a:rPr>
-                <a:t>in</a:t>
+                <a:rPr lang="en-US" dirty="0"/>
+                <a:t> in</a:t>
               </a:r>
             </a:p>
           </p:txBody>
@@ -36204,8 +36196,8 @@
             </a:fontRef>
           </p:style>
         </p:cxnSp>
-        <mc:AlternateContent xmlns:mc="http://schemas.openxmlformats.org/markup-compatibility/2006" xmlns:a14="http://schemas.microsoft.com/office/drawing/2010/main">
-          <mc:Choice Requires="a14">
+        <mc:AlternateContent xmlns:mc="http://schemas.openxmlformats.org/markup-compatibility/2006">
+          <mc:Choice xmlns:a14="http://schemas.microsoft.com/office/drawing/2010/main" Requires="a14">
             <p:sp>
               <p:nvSpPr>
                 <p:cNvPr id="11" name="TextBox 10">
@@ -36221,7 +36213,7 @@
               <p:spPr>
                 <a:xfrm>
                   <a:off x="1418103" y="1803305"/>
-                  <a:ext cx="3437608" cy="529376"/>
+                  <a:ext cx="2290948" cy="315655"/>
                 </a:xfrm>
                 <a:prstGeom prst="rect">
                   <a:avLst/>
@@ -36239,7 +36231,7 @@
                       <m:sSub>
                         <m:sSubPr>
                           <m:ctrlPr>
-                            <a:rPr lang="en-US" sz="2800" b="0" i="1" smtClean="0">
+                            <a:rPr lang="en-US" i="1">
                               <a:latin typeface="Cambria Math" panose="02040503050406030204" pitchFamily="18" charset="0"/>
                             </a:rPr>
                           </m:ctrlPr>
@@ -36249,13 +36241,15 @@
                             <m:rPr>
                               <m:nor/>
                             </m:rPr>
-                            <a:rPr lang="en-US" sz="2800" dirty="0"/>
+                            <a:rPr lang="en-US" dirty="0">
+                              <a:latin typeface="Cambria Math" panose="02040503050406030204" pitchFamily="18" charset="0"/>
+                            </a:rPr>
                             <m:t>bool</m:t>
                           </m:r>
                         </m:e>
                         <m:sub>
                           <m:r>
-                            <a:rPr lang="en-US" sz="2800" i="1">
+                            <a:rPr lang="en-US" i="1">
                               <a:latin typeface="Cambria Math" panose="02040503050406030204" pitchFamily="18" charset="0"/>
                             </a:rPr>
                             <m:t>∅</m:t>
@@ -36265,13 +36259,13 @@
                     </m:oMath>
                   </a14:m>
                   <a:r>
-                    <a:rPr lang="en-US" sz="2800" dirty="0"/>
+                    <a:rPr lang="en-US" dirty="0"/>
                     <a:t> x:= </a:t>
                   </a:r>
                   <a14:m>
                     <m:oMath xmlns:m="http://schemas.openxmlformats.org/officeDocument/2006/math">
                       <m:r>
-                        <a:rPr lang="en-US" sz="2800" b="0" i="1" smtClean="0">
+                        <a:rPr lang="en-US" i="1">
                           <a:latin typeface="Cambria Math" panose="02040503050406030204" pitchFamily="18" charset="0"/>
                         </a:rPr>
                         <m:t>∅</m:t>
@@ -36279,26 +36273,14 @@
                     </m:oMath>
                   </a14:m>
                   <a:r>
-                    <a:rPr lang="en-US" sz="2800" dirty="0"/>
-                    <a:t>, clock </a:t>
-                  </a:r>
-                  <a:r>
-                    <a:rPr lang="en-US" sz="2800" dirty="0">
-                      <a:solidFill>
-                        <a:srgbClr val="FF0000"/>
-                      </a:solidFill>
-                    </a:rPr>
-                    <a:t>c</a:t>
-                  </a:r>
-                  <a:r>
-                    <a:rPr lang="en-US" sz="2800" dirty="0"/>
-                    <a:t>:=0</a:t>
+                    <a:rPr lang="en-US" dirty="0"/>
+                    <a:t>, clock c:=0</a:t>
                   </a:r>
                 </a:p>
               </p:txBody>
             </p:sp>
           </mc:Choice>
-          <mc:Fallback xmlns="">
+          <mc:Fallback>
             <p:sp>
               <p:nvSpPr>
                 <p:cNvPr id="11" name="TextBox 10">
@@ -36316,7 +36298,7 @@
               <p:spPr>
                 <a:xfrm>
                   <a:off x="1418103" y="1803305"/>
-                  <a:ext cx="3437608" cy="529376"/>
+                  <a:ext cx="2290948" cy="315655"/>
                 </a:xfrm>
                 <a:prstGeom prst="rect">
                   <a:avLst/>
@@ -36324,7 +36306,7 @@
                 <a:blipFill>
                   <a:blip r:embed="rId3"/>
                   <a:stretch>
-                    <a:fillRect t="-11494" r="-2837" b="-31034"/>
+                    <a:fillRect t="-6452" r="-1333" b="-24194"/>
                   </a:stretch>
                 </a:blipFill>
               </p:spPr>
@@ -36343,8 +36325,8 @@
             </p:sp>
           </mc:Fallback>
         </mc:AlternateContent>
-        <mc:AlternateContent xmlns:mc="http://schemas.openxmlformats.org/markup-compatibility/2006" xmlns:a14="http://schemas.microsoft.com/office/drawing/2010/main">
-          <mc:Choice Requires="a14">
+        <mc:AlternateContent xmlns:mc="http://schemas.openxmlformats.org/markup-compatibility/2006">
+          <mc:Choice xmlns:a14="http://schemas.microsoft.com/office/drawing/2010/main" Requires="a14">
             <p:sp>
               <p:nvSpPr>
                 <p:cNvPr id="12" name="TextBox 11">
@@ -36360,7 +36342,7 @@
               <p:spPr>
                 <a:xfrm>
                   <a:off x="1418102" y="2674883"/>
-                  <a:ext cx="3351921" cy="1077218"/>
+                  <a:ext cx="3351921" cy="546515"/>
                 </a:xfrm>
                 <a:prstGeom prst="rect">
                   <a:avLst/>
@@ -36374,17 +36356,13 @@
                 <a:lstStyle/>
                 <a:p>
                   <a:r>
-                    <a:rPr lang="en-US" sz="3200" b="0" dirty="0"/>
-                    <a:t>T</a:t>
-                  </a:r>
-                  <a:r>
-                    <a:rPr lang="en-US" sz="3200" b="0" baseline="-25000" dirty="0"/>
-                    <a:t>in</a:t>
+                    <a:rPr lang="en-US" dirty="0"/>
+                    <a:t>Tin</a:t>
                   </a:r>
                   <a14:m>
                     <m:oMath xmlns:m="http://schemas.openxmlformats.org/officeDocument/2006/math">
                       <m:r>
-                        <a:rPr lang="en-US" sz="3200" b="0" i="1" smtClean="0">
+                        <a:rPr lang="en-US" i="1">
                           <a:latin typeface="Cambria Math" panose="02040503050406030204" pitchFamily="18" charset="0"/>
                         </a:rPr>
                         <m:t>:</m:t>
@@ -36392,13 +36370,13 @@
                     </m:oMath>
                   </a14:m>
                   <a:r>
-                    <a:rPr lang="en-US" sz="3200" dirty="0"/>
+                    <a:rPr lang="en-US" dirty="0"/>
                     <a:t> (x==</a:t>
                   </a:r>
                   <a14:m>
                     <m:oMath xmlns:m="http://schemas.openxmlformats.org/officeDocument/2006/math">
                       <m:r>
-                        <a:rPr lang="en-US" sz="3200" b="0" i="1" dirty="0" smtClean="0">
+                        <a:rPr lang="en-US" i="1" dirty="0">
                           <a:latin typeface="Cambria Math" panose="02040503050406030204" pitchFamily="18" charset="0"/>
                         </a:rPr>
                         <m:t>∅</m:t>
@@ -36406,43 +36384,31 @@
                     </m:oMath>
                   </a14:m>
                   <a:r>
-                    <a:rPr lang="en-US" sz="3200" dirty="0"/>
-                    <a:t>)</a:t>
+                    <a:rPr lang="en-US" dirty="0"/>
+                    <a:t>) &amp; in?</a:t>
                   </a:r>
                   <a14:m>
                     <m:oMath xmlns:m="http://schemas.openxmlformats.org/officeDocument/2006/math">
                       <m:r>
-                        <a:rPr lang="en-US" sz="3200" b="0" i="1" dirty="0" smtClean="0">
+                        <a:rPr lang="en-US" i="1" dirty="0">
                           <a:latin typeface="Cambria Math" panose="02040503050406030204" pitchFamily="18" charset="0"/>
                         </a:rPr>
                         <m:t>→</m:t>
                       </m:r>
                     </m:oMath>
                   </a14:m>
-                  <a:endParaRPr lang="en-US" sz="3200" dirty="0"/>
+                  <a:endParaRPr lang="en-US" dirty="0"/>
                 </a:p>
                 <a:p>
                   <a:r>
-                    <a:rPr lang="en-US" sz="3200" dirty="0"/>
-                    <a:t>	x:=in; </a:t>
-                  </a:r>
-                  <a:r>
-                    <a:rPr lang="en-US" sz="3200" dirty="0">
-                      <a:solidFill>
-                        <a:srgbClr val="FF0000"/>
-                      </a:solidFill>
-                    </a:rPr>
-                    <a:t>c:=0</a:t>
-                  </a:r>
-                  <a:r>
-                    <a:rPr lang="en-US" sz="3200" dirty="0"/>
-                    <a:t>;</a:t>
+                    <a:rPr lang="en-US" dirty="0"/>
+                    <a:t>	x:=in; c:=0;</a:t>
                   </a:r>
                 </a:p>
               </p:txBody>
             </p:sp>
           </mc:Choice>
-          <mc:Fallback xmlns="">
+          <mc:Fallback>
             <p:sp>
               <p:nvSpPr>
                 <p:cNvPr id="12" name="TextBox 11">
@@ -36460,7 +36426,7 @@
               <p:spPr>
                 <a:xfrm>
                   <a:off x="1418102" y="2674883"/>
-                  <a:ext cx="3351921" cy="1077218"/>
+                  <a:ext cx="3351921" cy="546515"/>
                 </a:xfrm>
                 <a:prstGeom prst="rect">
                   <a:avLst/>
@@ -36468,7 +36434,7 @@
                 <a:blipFill>
                   <a:blip r:embed="rId4"/>
                   <a:stretch>
-                    <a:fillRect l="-4545" t="-6780" b="-17514"/>
+                    <a:fillRect l="-1636" t="-4673" b="-13084"/>
                   </a:stretch>
                 </a:blipFill>
               </p:spPr>
@@ -36487,8 +36453,8 @@
             </p:sp>
           </mc:Fallback>
         </mc:AlternateContent>
-        <mc:AlternateContent xmlns:mc="http://schemas.openxmlformats.org/markup-compatibility/2006" xmlns:a14="http://schemas.microsoft.com/office/drawing/2010/main">
-          <mc:Choice Requires="a14">
+        <mc:AlternateContent xmlns:mc="http://schemas.openxmlformats.org/markup-compatibility/2006">
+          <mc:Choice xmlns:a14="http://schemas.microsoft.com/office/drawing/2010/main" Requires="a14">
             <p:sp>
               <p:nvSpPr>
                 <p:cNvPr id="13" name="TextBox 12">
@@ -36503,8 +36469,8 @@
               </p:nvSpPr>
               <p:spPr>
                 <a:xfrm>
-                  <a:off x="1433280" y="3686640"/>
-                  <a:ext cx="2468946" cy="1569660"/>
+                  <a:off x="1418102" y="3377545"/>
+                  <a:ext cx="3144475" cy="780736"/>
                 </a:xfrm>
                 <a:prstGeom prst="rect">
                   <a:avLst/>
@@ -36512,23 +36478,19 @@
                 <a:noFill/>
               </p:spPr>
               <p:txBody>
-                <a:bodyPr wrap="none" rtlCol="0">
+                <a:bodyPr wrap="square" rtlCol="0">
                   <a:spAutoFit/>
                 </a:bodyPr>
                 <a:lstStyle/>
                 <a:p>
                   <a:r>
-                    <a:rPr lang="en-US" sz="3200" b="0" dirty="0"/>
-                    <a:t>T</a:t>
-                  </a:r>
-                  <a:r>
-                    <a:rPr lang="en-US" sz="3200" b="0" baseline="-25000" dirty="0"/>
-                    <a:t>out</a:t>
+                    <a:rPr lang="en-US" dirty="0"/>
+                    <a:t>Tout</a:t>
                   </a:r>
                   <a14:m>
                     <m:oMath xmlns:m="http://schemas.openxmlformats.org/officeDocument/2006/math">
                       <m:r>
-                        <a:rPr lang="en-US" sz="3200" b="0" i="1" smtClean="0">
+                        <a:rPr lang="en-US" i="1">
                           <a:latin typeface="Cambria Math" panose="02040503050406030204" pitchFamily="18" charset="0"/>
                         </a:rPr>
                         <m:t>:</m:t>
@@ -36536,24 +36498,13 @@
                     </m:oMath>
                   </a14:m>
                   <a:r>
-                    <a:rPr lang="en-US" sz="3200" b="0" dirty="0"/>
-                    <a:t> (</a:t>
-                  </a:r>
-                  <a:r>
-                    <a:rPr lang="en-US" sz="3200" b="0" dirty="0">
-                      <a:solidFill>
-                        <a:srgbClr val="FF0000"/>
-                      </a:solidFill>
-                    </a:rPr>
-                    <a:t>c</a:t>
+                    <a:rPr lang="en-US" dirty="0"/>
+                    <a:t> (c</a:t>
                   </a:r>
                   <a14:m>
                     <m:oMath xmlns:m="http://schemas.openxmlformats.org/officeDocument/2006/math">
                       <m:r>
-                        <a:rPr lang="en-US" sz="3200" b="0" i="1" smtClean="0">
-                          <a:solidFill>
-                            <a:srgbClr val="FF0000"/>
-                          </a:solidFill>
+                        <a:rPr lang="en-US" i="1">
                           <a:latin typeface="Cambria Math" panose="02040503050406030204" pitchFamily="18" charset="0"/>
                         </a:rPr>
                         <m:t>≥</m:t>
@@ -36561,21 +36512,13 @@
                     </m:oMath>
                   </a14:m>
                   <a:r>
-                    <a:rPr lang="en-US" sz="3200" dirty="0">
-                      <a:solidFill>
-                        <a:srgbClr val="FF0000"/>
-                      </a:solidFill>
-                    </a:rPr>
-                    <a:t>2</a:t>
-                  </a:r>
-                  <a:r>
-                    <a:rPr lang="en-US" sz="3200" dirty="0"/>
-                    <a:t>)</a:t>
+                    <a:rPr lang="en-US" dirty="0"/>
+                    <a:t>2)</a:t>
                   </a:r>
                   <a14:m>
                     <m:oMath xmlns:m="http://schemas.openxmlformats.org/officeDocument/2006/math">
                       <m:r>
-                        <a:rPr lang="en-US" sz="3200" b="0" i="1" dirty="0" smtClean="0">
+                        <a:rPr lang="en-US" i="1" dirty="0">
                           <a:latin typeface="Cambria Math" panose="02040503050406030204" pitchFamily="18" charset="0"/>
                         </a:rPr>
                         <m:t>→</m:t>
@@ -36583,25 +36526,25 @@
                     </m:oMath>
                   </a14:m>
                   <a:r>
-                    <a:rPr lang="en-US" sz="3200" dirty="0"/>
+                    <a:rPr lang="en-US" dirty="0"/>
                     <a:t> </a:t>
                   </a:r>
                 </a:p>
                 <a:p>
                   <a:r>
-                    <a:rPr lang="en-US" sz="3200" dirty="0"/>
-                    <a:t>	out := x;</a:t>
+                    <a:rPr lang="en-US" dirty="0"/>
+                    <a:t>	{ out := x;</a:t>
                   </a:r>
                 </a:p>
                 <a:p>
                   <a:r>
-                    <a:rPr lang="en-US" sz="3200" dirty="0"/>
-                    <a:t>           x := </a:t>
+                    <a:rPr lang="en-US" dirty="0"/>
+                    <a:t>                    x := </a:t>
                   </a:r>
                   <a14:m>
                     <m:oMath xmlns:m="http://schemas.openxmlformats.org/officeDocument/2006/math">
                       <m:r>
-                        <a:rPr lang="en-US" sz="3200" b="0" i="1" smtClean="0">
+                        <a:rPr lang="en-US" i="1">
                           <a:latin typeface="Cambria Math" panose="02040503050406030204" pitchFamily="18" charset="0"/>
                         </a:rPr>
                         <m:t>∅</m:t>
@@ -36609,14 +36552,14 @@
                     </m:oMath>
                   </a14:m>
                   <a:r>
-                    <a:rPr lang="en-US" sz="3200" dirty="0"/>
+                    <a:rPr lang="en-US" dirty="0"/>
                     <a:t> } </a:t>
                   </a:r>
                 </a:p>
               </p:txBody>
             </p:sp>
           </mc:Choice>
-          <mc:Fallback xmlns="">
+          <mc:Fallback>
             <p:sp>
               <p:nvSpPr>
                 <p:cNvPr id="13" name="TextBox 12">
@@ -36633,8 +36576,8 @@
               </p:nvSpPr>
               <p:spPr>
                 <a:xfrm>
-                  <a:off x="1433280" y="3686640"/>
-                  <a:ext cx="2468946" cy="1569660"/>
+                  <a:off x="1418102" y="3377545"/>
+                  <a:ext cx="3144475" cy="780736"/>
                 </a:xfrm>
                 <a:prstGeom prst="rect">
                   <a:avLst/>
@@ -36642,7 +36585,7 @@
                 <a:blipFill>
                   <a:blip r:embed="rId5"/>
                   <a:stretch>
-                    <a:fillRect l="-6420" t="-4669" r="-5185" b="-12451"/>
+                    <a:fillRect l="-1744" t="-3974" b="-9934"/>
                   </a:stretch>
                 </a:blipFill>
               </p:spPr>
@@ -36662,6 +36605,127 @@
           </mc:Fallback>
         </mc:AlternateContent>
       </p:grpSp>
+      <mc:AlternateContent xmlns:mc="http://schemas.openxmlformats.org/markup-compatibility/2006">
+        <mc:Choice xmlns:a14="http://schemas.microsoft.com/office/drawing/2010/main" Requires="a14">
+          <p:sp>
+            <p:nvSpPr>
+              <p:cNvPr id="14" name="TextBox 13">
+                <a:extLst>
+                  <a:ext uri="{FF2B5EF4-FFF2-40B4-BE49-F238E27FC236}">
+                    <a16:creationId xmlns:a16="http://schemas.microsoft.com/office/drawing/2014/main" id="{BFF1D011-C61D-4432-A625-7A7C2A802D79}"/>
+                  </a:ext>
+                </a:extLst>
+              </p:cNvPr>
+              <p:cNvSpPr txBox="1"/>
+              <p:nvPr/>
+            </p:nvSpPr>
+            <p:spPr>
+              <a:xfrm>
+                <a:off x="1564739" y="4729643"/>
+                <a:ext cx="3144475" cy="830997"/>
+              </a:xfrm>
+              <a:prstGeom prst="rect">
+                <a:avLst/>
+              </a:prstGeom>
+              <a:noFill/>
+            </p:spPr>
+            <p:txBody>
+              <a:bodyPr wrap="square" rtlCol="0">
+                <a:spAutoFit/>
+              </a:bodyPr>
+              <a:lstStyle/>
+              <a:p>
+                <a:r>
+                  <a:rPr lang="en-US" sz="2400" b="0" dirty="0"/>
+                  <a:t>T</a:t>
+                </a:r>
+                <a:r>
+                  <a:rPr lang="en-US" sz="2400" baseline="-25000" dirty="0"/>
+                  <a:t>infull</a:t>
+                </a:r>
+                <a14:m>
+                  <m:oMath xmlns:m="http://schemas.openxmlformats.org/officeDocument/2006/math">
+                    <m:r>
+                      <a:rPr lang="en-US" sz="2400" b="0" i="1" smtClean="0">
+                        <a:latin typeface="Cambria Math" panose="02040503050406030204" pitchFamily="18" charset="0"/>
+                      </a:rPr>
+                      <m:t>:</m:t>
+                    </m:r>
+                  </m:oMath>
+                </a14:m>
+                <a:r>
+                  <a:rPr lang="en-US" sz="2400" b="0" dirty="0"/>
+                  <a:t> in? </a:t>
+                </a:r>
+                <a14:m>
+                  <m:oMath xmlns:m="http://schemas.openxmlformats.org/officeDocument/2006/math">
+                    <m:r>
+                      <a:rPr lang="en-US" sz="2400" b="0" i="1" dirty="0" smtClean="0">
+                        <a:latin typeface="Cambria Math" panose="02040503050406030204" pitchFamily="18" charset="0"/>
+                      </a:rPr>
+                      <m:t>→</m:t>
+                    </m:r>
+                  </m:oMath>
+                </a14:m>
+                <a:r>
+                  <a:rPr lang="en-US" sz="2400" dirty="0"/>
+                  <a:t> </a:t>
+                </a:r>
+              </a:p>
+              <a:p>
+                <a:r>
+                  <a:rPr lang="en-US" sz="2400" dirty="0"/>
+                  <a:t>	 </a:t>
+                </a:r>
+              </a:p>
+            </p:txBody>
+          </p:sp>
+        </mc:Choice>
+        <mc:Fallback>
+          <p:sp>
+            <p:nvSpPr>
+              <p:cNvPr id="14" name="TextBox 13">
+                <a:extLst>
+                  <a:ext uri="{FF2B5EF4-FFF2-40B4-BE49-F238E27FC236}">
+                    <a16:creationId xmlns:a16="http://schemas.microsoft.com/office/drawing/2014/main" id="{BFF1D011-C61D-4432-A625-7A7C2A802D79}"/>
+                  </a:ext>
+                </a:extLst>
+              </p:cNvPr>
+              <p:cNvSpPr txBox="1">
+                <a:spLocks noRot="1" noChangeAspect="1" noMove="1" noResize="1" noEditPoints="1" noAdjustHandles="1" noChangeArrowheads="1" noChangeShapeType="1" noTextEdit="1"/>
+              </p:cNvSpPr>
+              <p:nvPr/>
+            </p:nvSpPr>
+            <p:spPr>
+              <a:xfrm>
+                <a:off x="1564739" y="4729643"/>
+                <a:ext cx="3144475" cy="830997"/>
+              </a:xfrm>
+              <a:prstGeom prst="rect">
+                <a:avLst/>
+              </a:prstGeom>
+              <a:blipFill>
+                <a:blip r:embed="rId6"/>
+                <a:stretch>
+                  <a:fillRect l="-3101" t="-5882"/>
+                </a:stretch>
+              </a:blipFill>
+            </p:spPr>
+            <p:txBody>
+              <a:bodyPr/>
+              <a:lstStyle/>
+              <a:p>
+                <a:r>
+                  <a:rPr lang="en-US">
+                    <a:noFill/>
+                  </a:rPr>
+                  <a:t> </a:t>
+                </a:r>
+              </a:p>
+            </p:txBody>
+          </p:sp>
+        </mc:Fallback>
+      </mc:AlternateContent>
     </p:spTree>
     <p:extLst>
       <p:ext uri="{BB962C8B-B14F-4D97-AF65-F5344CB8AC3E}">

--- a/teaching/cs513-autocps-fall-2020/lecture2-Timed-Models.pptx
+++ b/teaching/cs513-autocps-fall-2020/lecture2-Timed-Models.pptx
@@ -8103,8 +8103,8 @@
               </a:p>
             </p:txBody>
           </p:sp>
-          <mc:AlternateContent xmlns:mc="http://schemas.openxmlformats.org/markup-compatibility/2006" xmlns:a14="http://schemas.microsoft.com/office/drawing/2010/main">
-            <mc:Choice Requires="a14">
+          <mc:AlternateContent xmlns:mc="http://schemas.openxmlformats.org/markup-compatibility/2006">
+            <mc:Choice xmlns:a14="http://schemas.microsoft.com/office/drawing/2010/main" Requires="a14">
               <p:sp>
                 <p:nvSpPr>
                   <p:cNvPr id="9" name="Oval 8">
@@ -8119,8 +8119,8 @@
                 </p:nvSpPr>
                 <p:spPr>
                   <a:xfrm>
-                    <a:off x="5269414" y="2290133"/>
-                    <a:ext cx="826586" cy="624023"/>
+                    <a:off x="5011206" y="2290133"/>
+                    <a:ext cx="1084794" cy="624023"/>
                   </a:xfrm>
                   <a:prstGeom prst="ellipse">
                     <a:avLst/>
@@ -8188,21 +8188,55 @@
                           </a:rPr>
                           <m:t>≤</m:t>
                         </m:r>
+                        <m:sSub>
+                          <m:sSubPr>
+                            <m:ctrlPr>
+                              <a:rPr lang="en-US" b="0" i="0" smtClean="0">
+                                <a:solidFill>
+                                  <a:schemeClr val="tx1"/>
+                                </a:solidFill>
+                                <a:latin typeface="Cambria Math" panose="02040503050406030204" pitchFamily="18" charset="0"/>
+                              </a:rPr>
+                            </m:ctrlPr>
+                          </m:sSubPr>
+                          <m:e>
+                            <m:r>
+                              <m:rPr>
+                                <m:sty m:val="p"/>
+                              </m:rPr>
+                              <a:rPr lang="en-US" b="0" i="0" smtClean="0">
+                                <a:solidFill>
+                                  <a:schemeClr val="tx1"/>
+                                </a:solidFill>
+                                <a:latin typeface="Cambria Math" panose="02040503050406030204" pitchFamily="18" charset="0"/>
+                              </a:rPr>
+                              <m:t>A</m:t>
+                            </m:r>
+                          </m:e>
+                          <m:sub>
+                            <m:r>
+                              <a:rPr lang="en-US" b="0" i="0" smtClean="0">
+                                <a:solidFill>
+                                  <a:schemeClr val="tx1"/>
+                                </a:solidFill>
+                                <a:latin typeface="Cambria Math" panose="02040503050406030204" pitchFamily="18" charset="0"/>
+                              </a:rPr>
+                              <m:t>1</m:t>
+                            </m:r>
+                          </m:sub>
+                        </m:sSub>
                       </m:oMath>
                     </a14:m>
-                    <a:r>
-                      <a:rPr lang="en-US" dirty="0">
-                        <a:solidFill>
-                          <a:schemeClr val="tx1"/>
-                        </a:solidFill>
-                      </a:rPr>
-                      <a:t>A</a:t>
-                    </a:r>
+                    <a:endParaRPr lang="en-US" dirty="0">
+                      <a:solidFill>
+                        <a:schemeClr val="tx1"/>
+                      </a:solidFill>
+                    </a:endParaRPr>
                   </a:p>
                 </p:txBody>
               </p:sp>
             </mc:Choice>
-            <mc:Fallback xmlns="">
+            <mc:Fallback>
               <p:sp>
                 <p:nvSpPr>
                   <p:cNvPr id="9" name="Oval 8">
@@ -8219,8 +8253,8 @@
                 </p:nvSpPr>
                 <p:spPr>
                   <a:xfrm>
-                    <a:off x="5269414" y="2290133"/>
-                    <a:ext cx="826586" cy="624023"/>
+                    <a:off x="5011206" y="2290133"/>
+                    <a:ext cx="1084794" cy="624023"/>
                   </a:xfrm>
                   <a:prstGeom prst="ellipse">
                     <a:avLst/>
@@ -8940,9 +8974,9 @@
         <p:grpSpPr>
           <a:xfrm>
             <a:off x="260722" y="3667773"/>
-            <a:ext cx="5104700" cy="1712720"/>
+            <a:ext cx="5297784" cy="1712720"/>
             <a:chOff x="314511" y="2114308"/>
-            <a:chExt cx="5104700" cy="1712720"/>
+            <a:chExt cx="5297784" cy="1712720"/>
           </a:xfrm>
         </p:grpSpPr>
         <p:grpSp>
@@ -8960,9 +8994,9 @@
           <p:grpSpPr>
             <a:xfrm>
               <a:off x="314511" y="2114308"/>
-              <a:ext cx="4851187" cy="1712720"/>
+              <a:ext cx="5070657" cy="1712720"/>
               <a:chOff x="1244813" y="1732645"/>
-              <a:chExt cx="4851187" cy="1712720"/>
+              <a:chExt cx="5070657" cy="1712720"/>
             </a:xfrm>
           </p:grpSpPr>
           <p:sp>
@@ -9014,8 +9048,8 @@
               </a:p>
             </p:txBody>
           </p:sp>
-          <mc:AlternateContent xmlns:mc="http://schemas.openxmlformats.org/markup-compatibility/2006" xmlns:a14="http://schemas.microsoft.com/office/drawing/2010/main">
-            <mc:Choice Requires="a14">
+          <mc:AlternateContent xmlns:mc="http://schemas.openxmlformats.org/markup-compatibility/2006">
+            <mc:Choice xmlns:a14="http://schemas.microsoft.com/office/drawing/2010/main" Requires="a14">
               <p:sp>
                 <p:nvSpPr>
                   <p:cNvPr id="20" name="Oval 19">
@@ -9030,8 +9064,8 @@
                 </p:nvSpPr>
                 <p:spPr>
                   <a:xfrm>
-                    <a:off x="5269414" y="2290133"/>
-                    <a:ext cx="826586" cy="624023"/>
+                    <a:off x="5127751" y="2290133"/>
+                    <a:ext cx="1187719" cy="624023"/>
                   </a:xfrm>
                   <a:prstGeom prst="ellipse">
                     <a:avLst/>
@@ -9090,30 +9124,64 @@
                     </a:r>
                     <a14:m>
                       <m:oMath xmlns:m="http://schemas.openxmlformats.org/officeDocument/2006/math">
-                        <m:r>
-                          <a:rPr lang="en-US" b="0" i="1" smtClean="0">
-                            <a:solidFill>
-                              <a:schemeClr val="tx1"/>
-                            </a:solidFill>
-                            <a:latin typeface="Cambria Math" panose="02040503050406030204" pitchFamily="18" charset="0"/>
-                          </a:rPr>
-                          <m:t>≤</m:t>
-                        </m:r>
+                        <m:sSub>
+                          <m:sSubPr>
+                            <m:ctrlPr>
+                              <a:rPr lang="en-US" b="0" i="1" smtClean="0">
+                                <a:solidFill>
+                                  <a:schemeClr val="tx1"/>
+                                </a:solidFill>
+                                <a:latin typeface="Cambria Math" panose="02040503050406030204" pitchFamily="18" charset="0"/>
+                              </a:rPr>
+                            </m:ctrlPr>
+                          </m:sSubPr>
+                          <m:e>
+                            <m:r>
+                              <a:rPr lang="en-US" b="0" i="1" smtClean="0">
+                                <a:solidFill>
+                                  <a:schemeClr val="tx1"/>
+                                </a:solidFill>
+                                <a:latin typeface="Cambria Math" panose="02040503050406030204" pitchFamily="18" charset="0"/>
+                              </a:rPr>
+                              <m:t>≥</m:t>
+                            </m:r>
+                            <m:r>
+                              <m:rPr>
+                                <m:sty m:val="p"/>
+                              </m:rPr>
+                              <a:rPr lang="en-US" b="0" i="0" smtClean="0">
+                                <a:solidFill>
+                                  <a:schemeClr val="tx1"/>
+                                </a:solidFill>
+                                <a:latin typeface="Cambria Math" panose="02040503050406030204" pitchFamily="18" charset="0"/>
+                              </a:rPr>
+                              <m:t>A</m:t>
+                            </m:r>
+                          </m:e>
+                          <m:sub>
+                            <m:r>
+                              <a:rPr lang="en-US" b="0" i="1" smtClean="0">
+                                <a:solidFill>
+                                  <a:schemeClr val="tx1"/>
+                                </a:solidFill>
+                                <a:latin typeface="Cambria Math" panose="02040503050406030204" pitchFamily="18" charset="0"/>
+                              </a:rPr>
+                              <m:t>2</m:t>
+                            </m:r>
+                          </m:sub>
+                        </m:sSub>
                       </m:oMath>
                     </a14:m>
-                    <a:r>
-                      <a:rPr lang="en-US" dirty="0">
-                        <a:solidFill>
-                          <a:schemeClr val="tx1"/>
-                        </a:solidFill>
-                      </a:rPr>
-                      <a:t>A</a:t>
-                    </a:r>
+                    <a:endParaRPr lang="en-US" dirty="0">
+                      <a:solidFill>
+                        <a:schemeClr val="tx1"/>
+                      </a:solidFill>
+                    </a:endParaRPr>
                   </a:p>
                 </p:txBody>
               </p:sp>
             </mc:Choice>
-            <mc:Fallback xmlns="">
+            <mc:Fallback>
               <p:sp>
                 <p:nvSpPr>
                   <p:cNvPr id="20" name="Oval 19">
@@ -9130,8 +9198,8 @@
                 </p:nvSpPr>
                 <p:spPr>
                   <a:xfrm>
-                    <a:off x="5269414" y="2290133"/>
-                    <a:ext cx="826586" cy="624023"/>
+                    <a:off x="5127751" y="2290133"/>
+                    <a:ext cx="1187719" cy="624023"/>
                   </a:xfrm>
                   <a:prstGeom prst="ellipse">
                     <a:avLst/>
@@ -9724,7 +9792,7 @@
           </p:nvSpPr>
           <p:spPr>
             <a:xfrm>
-              <a:off x="5033042" y="2561846"/>
+              <a:off x="5226126" y="2628451"/>
               <a:ext cx="386169" cy="355356"/>
             </a:xfrm>
             <a:custGeom>
@@ -13948,8 +14016,8 @@
           <a:chExt cx="0" cy="0"/>
         </a:xfrm>
       </p:grpSpPr>
-      <mc:AlternateContent xmlns:mc="http://schemas.openxmlformats.org/markup-compatibility/2006" xmlns:a14="http://schemas.microsoft.com/office/drawing/2010/main">
-        <mc:Choice Requires="a14">
+      <mc:AlternateContent xmlns:mc="http://schemas.openxmlformats.org/markup-compatibility/2006">
+        <mc:Choice xmlns:a14="http://schemas.microsoft.com/office/drawing/2010/main" Requires="a14">
           <p:sp>
             <p:nvSpPr>
               <p:cNvPr id="2" name="Content Placeholder 1">
@@ -13992,7 +14060,7 @@
                       <a:rPr lang="en-US" sz="2400" b="0" i="1" dirty="0" smtClean="0">
                         <a:latin typeface="Cambria Math" panose="02040503050406030204" pitchFamily="18" charset="0"/>
                       </a:rPr>
-                      <m:t>≤</m:t>
+                      <m:t>&lt;</m:t>
                     </m:r>
                   </m:oMath>
                 </a14:m>
@@ -14126,7 +14194,7 @@
             </p:txBody>
           </p:sp>
         </mc:Choice>
-        <mc:Fallback xmlns="">
+        <mc:Fallback>
           <p:sp>
             <p:nvSpPr>
               <p:cNvPr id="2" name="Content Placeholder 1">
@@ -35969,7 +36037,7 @@
         <p:grpSpPr>
           <a:xfrm>
             <a:off x="166680" y="1655832"/>
-            <a:ext cx="5606847" cy="4609237"/>
+            <a:ext cx="4841089" cy="3966299"/>
             <a:chOff x="20042" y="1541532"/>
             <a:chExt cx="5606847" cy="3897411"/>
           </a:xfrm>
@@ -36306,7 +36374,7 @@
                 <a:blipFill>
                   <a:blip r:embed="rId3"/>
                   <a:stretch>
-                    <a:fillRect t="-6452" r="-1333" b="-24194"/>
+                    <a:fillRect t="-7547" r="-17231" b="-45283"/>
                   </a:stretch>
                 </a:blipFill>
               </p:spPr>
@@ -36434,7 +36502,7 @@
                 <a:blipFill>
                   <a:blip r:embed="rId4"/>
                   <a:stretch>
-                    <a:fillRect l="-1636" t="-4673" b="-13084"/>
+                    <a:fillRect l="-1684" t="-6593" b="-32967"/>
                   </a:stretch>
                 </a:blipFill>
               </p:spPr>
@@ -36585,7 +36653,7 @@
                 <a:blipFill>
                   <a:blip r:embed="rId5"/>
                   <a:stretch>
-                    <a:fillRect l="-1744" t="-3974" b="-9934"/>
+                    <a:fillRect l="-1794" t="-3846" b="-27692"/>
                   </a:stretch>
                 </a:blipFill>
               </p:spPr>
